--- a/docs/diagrams/GUI_Diagram.pptx
+++ b/docs/diagrams/GUI_Diagram.pptx
@@ -105,6 +105,11 @@
       </a:defRPr>
     </a:lvl9pPr>
   </p:defaultTextStyle>
+  <p:extLst>
+    <p:ext uri="{EFAFB233-063F-42B5-8137-9DF3F51BA10A}">
+      <p15:sldGuideLst xmlns:p15="http://schemas.microsoft.com/office/powerpoint/2012/main"/>
+    </p:ext>
+  </p:extLst>
 </p:presentation>
 </file>
 
@@ -255,7 +260,7 @@
           <a:p>
             <a:fld id="{83F29DC2-ED0D-4746-8ACB-1BDD005981DB}" type="datetimeFigureOut">
               <a:rPr lang="en-US" smtClean="0"/>
-              <a:t>4/10/2019</a:t>
+              <a:t>4/14/2019</a:t>
             </a:fld>
             <a:endParaRPr lang="en-US"/>
           </a:p>
@@ -453,7 +458,7 @@
           <a:p>
             <a:fld id="{83F29DC2-ED0D-4746-8ACB-1BDD005981DB}" type="datetimeFigureOut">
               <a:rPr lang="en-US" smtClean="0"/>
-              <a:t>4/10/2019</a:t>
+              <a:t>4/14/2019</a:t>
             </a:fld>
             <a:endParaRPr lang="en-US"/>
           </a:p>
@@ -661,7 +666,7 @@
           <a:p>
             <a:fld id="{83F29DC2-ED0D-4746-8ACB-1BDD005981DB}" type="datetimeFigureOut">
               <a:rPr lang="en-US" smtClean="0"/>
-              <a:t>4/10/2019</a:t>
+              <a:t>4/14/2019</a:t>
             </a:fld>
             <a:endParaRPr lang="en-US"/>
           </a:p>
@@ -859,7 +864,7 @@
           <a:p>
             <a:fld id="{83F29DC2-ED0D-4746-8ACB-1BDD005981DB}" type="datetimeFigureOut">
               <a:rPr lang="en-US" smtClean="0"/>
-              <a:t>4/10/2019</a:t>
+              <a:t>4/14/2019</a:t>
             </a:fld>
             <a:endParaRPr lang="en-US"/>
           </a:p>
@@ -1134,7 +1139,7 @@
           <a:p>
             <a:fld id="{83F29DC2-ED0D-4746-8ACB-1BDD005981DB}" type="datetimeFigureOut">
               <a:rPr lang="en-US" smtClean="0"/>
-              <a:t>4/10/2019</a:t>
+              <a:t>4/14/2019</a:t>
             </a:fld>
             <a:endParaRPr lang="en-US"/>
           </a:p>
@@ -1399,7 +1404,7 @@
           <a:p>
             <a:fld id="{83F29DC2-ED0D-4746-8ACB-1BDD005981DB}" type="datetimeFigureOut">
               <a:rPr lang="en-US" smtClean="0"/>
-              <a:t>4/10/2019</a:t>
+              <a:t>4/14/2019</a:t>
             </a:fld>
             <a:endParaRPr lang="en-US"/>
           </a:p>
@@ -1811,7 +1816,7 @@
           <a:p>
             <a:fld id="{83F29DC2-ED0D-4746-8ACB-1BDD005981DB}" type="datetimeFigureOut">
               <a:rPr lang="en-US" smtClean="0"/>
-              <a:t>4/10/2019</a:t>
+              <a:t>4/14/2019</a:t>
             </a:fld>
             <a:endParaRPr lang="en-US"/>
           </a:p>
@@ -1952,7 +1957,7 @@
           <a:p>
             <a:fld id="{83F29DC2-ED0D-4746-8ACB-1BDD005981DB}" type="datetimeFigureOut">
               <a:rPr lang="en-US" smtClean="0"/>
-              <a:t>4/10/2019</a:t>
+              <a:t>4/14/2019</a:t>
             </a:fld>
             <a:endParaRPr lang="en-US"/>
           </a:p>
@@ -2065,7 +2070,7 @@
           <a:p>
             <a:fld id="{83F29DC2-ED0D-4746-8ACB-1BDD005981DB}" type="datetimeFigureOut">
               <a:rPr lang="en-US" smtClean="0"/>
-              <a:t>4/10/2019</a:t>
+              <a:t>4/14/2019</a:t>
             </a:fld>
             <a:endParaRPr lang="en-US"/>
           </a:p>
@@ -2376,7 +2381,7 @@
           <a:p>
             <a:fld id="{83F29DC2-ED0D-4746-8ACB-1BDD005981DB}" type="datetimeFigureOut">
               <a:rPr lang="en-US" smtClean="0"/>
-              <a:t>4/10/2019</a:t>
+              <a:t>4/14/2019</a:t>
             </a:fld>
             <a:endParaRPr lang="en-US"/>
           </a:p>
@@ -2664,7 +2669,7 @@
           <a:p>
             <a:fld id="{83F29DC2-ED0D-4746-8ACB-1BDD005981DB}" type="datetimeFigureOut">
               <a:rPr lang="en-US" smtClean="0"/>
-              <a:t>4/10/2019</a:t>
+              <a:t>4/14/2019</a:t>
             </a:fld>
             <a:endParaRPr lang="en-US"/>
           </a:p>
@@ -2905,7 +2910,7 @@
           <a:p>
             <a:fld id="{83F29DC2-ED0D-4746-8ACB-1BDD005981DB}" type="datetimeFigureOut">
               <a:rPr lang="en-US" smtClean="0"/>
-              <a:t>4/10/2019</a:t>
+              <a:t>4/14/2019</a:t>
             </a:fld>
             <a:endParaRPr lang="en-US"/>
           </a:p>
@@ -3605,7 +3610,7 @@
         <p:spPr>
           <a:xfrm>
             <a:off x="3348824" y="3457326"/>
-            <a:ext cx="1644425" cy="369332"/>
+            <a:ext cx="1522789" cy="369332"/>
           </a:xfrm>
           <a:prstGeom prst="rect">
             <a:avLst/>
@@ -3627,7 +3632,7 @@
                   <a:srgbClr val="800000"/>
                 </a:highlight>
               </a:rPr>
-              <a:t>Summary Panel</a:t>
+              <a:t>Browser Panel</a:t>
             </a:r>
           </a:p>
         </p:txBody>
